--- a/notebook/test2.pptx
+++ b/notebook/test2.pptx
@@ -5650,7 +5650,9 @@
               <a:tr h="690000">
                 <a:tc>
                   <a:txBody>
-                    <a:bodyPr/>
+                    <a:bodyPr wrap="square">
+                      <a:normAutofit/>
+                    </a:bodyPr>
                     <a:lstStyle/>
                     <a:p>
                       <a:r>
@@ -5662,7 +5664,9 @@
                 </a:tc>
                 <a:tc>
                   <a:txBody>
-                    <a:bodyPr/>
+                    <a:bodyPr wrap="square">
+                      <a:normAutofit/>
+                    </a:bodyPr>
                     <a:lstStyle/>
                     <a:p>
                       <a:r>
@@ -5674,7 +5678,9 @@
                 </a:tc>
                 <a:tc>
                   <a:txBody>
-                    <a:bodyPr/>
+                    <a:bodyPr wrap="square">
+                      <a:normAutofit/>
+                    </a:bodyPr>
                     <a:lstStyle/>
                     <a:p>
                       <a:r>
@@ -5686,7 +5692,9 @@
                 </a:tc>
                 <a:tc>
                   <a:txBody>
-                    <a:bodyPr/>
+                    <a:bodyPr wrap="square">
+                      <a:normAutofit/>
+                    </a:bodyPr>
                     <a:lstStyle/>
                     <a:p>
                       <a:r>
@@ -5700,7 +5708,9 @@
               <a:tr h="690000">
                 <a:tc>
                   <a:txBody>
-                    <a:bodyPr/>
+                    <a:bodyPr wrap="square">
+                      <a:normAutofit/>
+                    </a:bodyPr>
                     <a:lstStyle/>
                     <a:p>
                       <a:r>
@@ -5712,7 +5722,9 @@
                 </a:tc>
                 <a:tc>
                   <a:txBody>
-                    <a:bodyPr/>
+                    <a:bodyPr wrap="square">
+                      <a:normAutofit/>
+                    </a:bodyPr>
                     <a:lstStyle/>
                     <a:p>
                       <a:r>
@@ -5724,7 +5736,9 @@
                 </a:tc>
                 <a:tc>
                   <a:txBody>
-                    <a:bodyPr/>
+                    <a:bodyPr wrap="square">
+                      <a:normAutofit/>
+                    </a:bodyPr>
                     <a:lstStyle/>
                     <a:p>
                       <a:r>
@@ -5736,7 +5750,9 @@
                 </a:tc>
                 <a:tc>
                   <a:txBody>
-                    <a:bodyPr/>
+                    <a:bodyPr wrap="square">
+                      <a:normAutofit/>
+                    </a:bodyPr>
                     <a:lstStyle/>
                     <a:p>
                       <a:r>
@@ -5750,7 +5766,9 @@
               <a:tr h="690000">
                 <a:tc>
                   <a:txBody>
-                    <a:bodyPr/>
+                    <a:bodyPr wrap="square">
+                      <a:normAutofit/>
+                    </a:bodyPr>
                     <a:lstStyle/>
                     <a:p>
                       <a:r>
@@ -5762,7 +5780,9 @@
                 </a:tc>
                 <a:tc>
                   <a:txBody>
-                    <a:bodyPr/>
+                    <a:bodyPr wrap="square">
+                      <a:normAutofit/>
+                    </a:bodyPr>
                     <a:lstStyle/>
                     <a:p>
                       <a:r>
@@ -5774,7 +5794,9 @@
                 </a:tc>
                 <a:tc>
                   <a:txBody>
-                    <a:bodyPr/>
+                    <a:bodyPr wrap="square">
+                      <a:normAutofit/>
+                    </a:bodyPr>
                     <a:lstStyle/>
                     <a:p>
                       <a:r>
@@ -5786,7 +5808,9 @@
                 </a:tc>
                 <a:tc>
                   <a:txBody>
-                    <a:bodyPr/>
+                    <a:bodyPr wrap="square">
+                      <a:normAutofit/>
+                    </a:bodyPr>
                     <a:lstStyle/>
                     <a:p>
                       <a:r>
@@ -5800,7 +5824,9 @@
               <a:tr h="690000">
                 <a:tc>
                   <a:txBody>
-                    <a:bodyPr/>
+                    <a:bodyPr wrap="square">
+                      <a:normAutofit/>
+                    </a:bodyPr>
                     <a:lstStyle/>
                     <a:p>
                       <a:r>
@@ -5812,7 +5838,9 @@
                 </a:tc>
                 <a:tc>
                   <a:txBody>
-                    <a:bodyPr/>
+                    <a:bodyPr wrap="square">
+                      <a:normAutofit/>
+                    </a:bodyPr>
                     <a:lstStyle/>
                     <a:p>
                       <a:r>
@@ -5824,7 +5852,9 @@
                 </a:tc>
                 <a:tc>
                   <a:txBody>
-                    <a:bodyPr/>
+                    <a:bodyPr wrap="square">
+                      <a:normAutofit/>
+                    </a:bodyPr>
                     <a:lstStyle/>
                     <a:p>
                       <a:r>
@@ -5836,7 +5866,9 @@
                 </a:tc>
                 <a:tc>
                   <a:txBody>
-                    <a:bodyPr/>
+                    <a:bodyPr wrap="square">
+                      <a:normAutofit/>
+                    </a:bodyPr>
                     <a:lstStyle/>
                     <a:p>
                       <a:r>
@@ -5850,7 +5882,9 @@
               <a:tr h="690000">
                 <a:tc>
                   <a:txBody>
-                    <a:bodyPr/>
+                    <a:bodyPr wrap="square">
+                      <a:normAutofit/>
+                    </a:bodyPr>
                     <a:lstStyle/>
                     <a:p>
                       <a:r>
@@ -5862,7 +5896,9 @@
                 </a:tc>
                 <a:tc>
                   <a:txBody>
-                    <a:bodyPr/>
+                    <a:bodyPr wrap="square">
+                      <a:normAutofit/>
+                    </a:bodyPr>
                     <a:lstStyle/>
                     <a:p>
                       <a:r>
@@ -5874,7 +5910,9 @@
                 </a:tc>
                 <a:tc>
                   <a:txBody>
-                    <a:bodyPr/>
+                    <a:bodyPr wrap="square">
+                      <a:normAutofit/>
+                    </a:bodyPr>
                     <a:lstStyle/>
                     <a:p>
                       <a:r>
@@ -5886,7 +5924,9 @@
                 </a:tc>
                 <a:tc>
                   <a:txBody>
-                    <a:bodyPr/>
+                    <a:bodyPr wrap="square">
+                      <a:normAutofit/>
+                    </a:bodyPr>
                     <a:lstStyle/>
                     <a:p>
                       <a:r>
@@ -5900,7 +5940,9 @@
               <a:tr h="690000">
                 <a:tc>
                   <a:txBody>
-                    <a:bodyPr/>
+                    <a:bodyPr wrap="square">
+                      <a:normAutofit/>
+                    </a:bodyPr>
                     <a:lstStyle/>
                     <a:p>
                       <a:r>
@@ -5912,7 +5954,9 @@
                 </a:tc>
                 <a:tc>
                   <a:txBody>
-                    <a:bodyPr/>
+                    <a:bodyPr wrap="square">
+                      <a:normAutofit/>
+                    </a:bodyPr>
                     <a:lstStyle/>
                     <a:p>
                       <a:r>
@@ -5924,7 +5968,9 @@
                 </a:tc>
                 <a:tc>
                   <a:txBody>
-                    <a:bodyPr/>
+                    <a:bodyPr wrap="square">
+                      <a:normAutofit/>
+                    </a:bodyPr>
                     <a:lstStyle/>
                     <a:p>
                       <a:r>
@@ -5936,7 +5982,9 @@
                 </a:tc>
                 <a:tc>
                   <a:txBody>
-                    <a:bodyPr/>
+                    <a:bodyPr wrap="square">
+                      <a:normAutofit/>
+                    </a:bodyPr>
                     <a:lstStyle/>
                     <a:p>
                       <a:r>
@@ -6126,7 +6174,9 @@
               <a:tr h="831000">
                 <a:tc>
                   <a:txBody>
-                    <a:bodyPr/>
+                    <a:bodyPr wrap="square">
+                      <a:normAutofit/>
+                    </a:bodyPr>
                     <a:lstStyle/>
                     <a:p>
                       <a:r>
@@ -6138,7 +6188,9 @@
                 </a:tc>
                 <a:tc>
                   <a:txBody>
-                    <a:bodyPr/>
+                    <a:bodyPr wrap="square">
+                      <a:normAutofit/>
+                    </a:bodyPr>
                     <a:lstStyle/>
                     <a:p>
                       <a:r>
@@ -6150,7 +6202,9 @@
                 </a:tc>
                 <a:tc>
                   <a:txBody>
-                    <a:bodyPr/>
+                    <a:bodyPr wrap="square">
+                      <a:normAutofit/>
+                    </a:bodyPr>
                     <a:lstStyle/>
                     <a:p>
                       <a:r>
@@ -6162,7 +6216,9 @@
                 </a:tc>
                 <a:tc>
                   <a:txBody>
-                    <a:bodyPr/>
+                    <a:bodyPr wrap="square">
+                      <a:normAutofit/>
+                    </a:bodyPr>
                     <a:lstStyle/>
                     <a:p>
                       <a:r>
@@ -6176,7 +6232,9 @@
               <a:tr h="831000">
                 <a:tc>
                   <a:txBody>
-                    <a:bodyPr/>
+                    <a:bodyPr wrap="square">
+                      <a:normAutofit/>
+                    </a:bodyPr>
                     <a:lstStyle/>
                     <a:p>
                       <a:r>
@@ -6188,7 +6246,9 @@
                 </a:tc>
                 <a:tc>
                   <a:txBody>
-                    <a:bodyPr/>
+                    <a:bodyPr wrap="square">
+                      <a:normAutofit/>
+                    </a:bodyPr>
                     <a:lstStyle/>
                     <a:p>
                       <a:r>
@@ -6200,7 +6260,9 @@
                 </a:tc>
                 <a:tc>
                   <a:txBody>
-                    <a:bodyPr/>
+                    <a:bodyPr wrap="square">
+                      <a:normAutofit/>
+                    </a:bodyPr>
                     <a:lstStyle/>
                     <a:p>
                       <a:r>
@@ -6212,7 +6274,9 @@
                 </a:tc>
                 <a:tc>
                   <a:txBody>
-                    <a:bodyPr/>
+                    <a:bodyPr wrap="square">
+                      <a:normAutofit/>
+                    </a:bodyPr>
                     <a:lstStyle/>
                     <a:p>
                       <a:r>
@@ -6226,7 +6290,9 @@
               <a:tr h="831000">
                 <a:tc>
                   <a:txBody>
-                    <a:bodyPr/>
+                    <a:bodyPr wrap="square">
+                      <a:normAutofit/>
+                    </a:bodyPr>
                     <a:lstStyle/>
                     <a:p>
                       <a:r>
@@ -6238,7 +6304,9 @@
                 </a:tc>
                 <a:tc>
                   <a:txBody>
-                    <a:bodyPr/>
+                    <a:bodyPr wrap="square">
+                      <a:normAutofit/>
+                    </a:bodyPr>
                     <a:lstStyle/>
                     <a:p>
                       <a:r>
@@ -6250,7 +6318,9 @@
                 </a:tc>
                 <a:tc>
                   <a:txBody>
-                    <a:bodyPr/>
+                    <a:bodyPr wrap="square">
+                      <a:normAutofit/>
+                    </a:bodyPr>
                     <a:lstStyle/>
                     <a:p>
                       <a:r>
@@ -6262,7 +6332,9 @@
                 </a:tc>
                 <a:tc>
                   <a:txBody>
-                    <a:bodyPr/>
+                    <a:bodyPr wrap="square">
+                      <a:normAutofit/>
+                    </a:bodyPr>
                     <a:lstStyle/>
                     <a:p>
                       <a:r>
@@ -6276,7 +6348,9 @@
               <a:tr h="831000">
                 <a:tc>
                   <a:txBody>
-                    <a:bodyPr/>
+                    <a:bodyPr wrap="square">
+                      <a:normAutofit/>
+                    </a:bodyPr>
                     <a:lstStyle/>
                     <a:p>
                       <a:r>
@@ -6288,7 +6362,9 @@
                 </a:tc>
                 <a:tc>
                   <a:txBody>
-                    <a:bodyPr/>
+                    <a:bodyPr wrap="square">
+                      <a:normAutofit/>
+                    </a:bodyPr>
                     <a:lstStyle/>
                     <a:p>
                       <a:r>
@@ -6300,7 +6376,9 @@
                 </a:tc>
                 <a:tc>
                   <a:txBody>
-                    <a:bodyPr/>
+                    <a:bodyPr wrap="square">
+                      <a:normAutofit/>
+                    </a:bodyPr>
                     <a:lstStyle/>
                     <a:p>
                       <a:r>
@@ -6312,7 +6390,9 @@
                 </a:tc>
                 <a:tc>
                   <a:txBody>
-                    <a:bodyPr/>
+                    <a:bodyPr wrap="square">
+                      <a:normAutofit/>
+                    </a:bodyPr>
                     <a:lstStyle/>
                     <a:p>
                       <a:r>
@@ -6326,7 +6406,9 @@
               <a:tr h="831000">
                 <a:tc>
                   <a:txBody>
-                    <a:bodyPr/>
+                    <a:bodyPr wrap="square">
+                      <a:normAutofit/>
+                    </a:bodyPr>
                     <a:lstStyle/>
                     <a:p>
                       <a:r>
@@ -6338,7 +6420,9 @@
                 </a:tc>
                 <a:tc>
                   <a:txBody>
-                    <a:bodyPr/>
+                    <a:bodyPr wrap="square">
+                      <a:normAutofit/>
+                    </a:bodyPr>
                     <a:lstStyle/>
                     <a:p>
                       <a:r>
@@ -6350,7 +6434,9 @@
                 </a:tc>
                 <a:tc>
                   <a:txBody>
-                    <a:bodyPr/>
+                    <a:bodyPr wrap="square">
+                      <a:normAutofit/>
+                    </a:bodyPr>
                     <a:lstStyle/>
                     <a:p>
                       <a:r>
@@ -6362,7 +6448,9 @@
                 </a:tc>
                 <a:tc>
                   <a:txBody>
-                    <a:bodyPr/>
+                    <a:bodyPr wrap="square">
+                      <a:normAutofit/>
+                    </a:bodyPr>
                     <a:lstStyle/>
                     <a:p>
                       <a:r>
@@ -6376,7 +6464,9 @@
               <a:tr h="831000">
                 <a:tc>
                   <a:txBody>
-                    <a:bodyPr/>
+                    <a:bodyPr wrap="square">
+                      <a:normAutofit/>
+                    </a:bodyPr>
                     <a:lstStyle/>
                     <a:p>
                       <a:r>
@@ -6388,7 +6478,9 @@
                 </a:tc>
                 <a:tc>
                   <a:txBody>
-                    <a:bodyPr/>
+                    <a:bodyPr wrap="square">
+                      <a:normAutofit/>
+                    </a:bodyPr>
                     <a:lstStyle/>
                     <a:p>
                       <a:r>
@@ -6400,7 +6492,9 @@
                 </a:tc>
                 <a:tc>
                   <a:txBody>
-                    <a:bodyPr/>
+                    <a:bodyPr wrap="square">
+                      <a:normAutofit/>
+                    </a:bodyPr>
                     <a:lstStyle/>
                     <a:p>
                       <a:r>
@@ -6412,7 +6506,9 @@
                 </a:tc>
                 <a:tc>
                   <a:txBody>
-                    <a:bodyPr/>
+                    <a:bodyPr wrap="square">
+                      <a:normAutofit/>
+                    </a:bodyPr>
                     <a:lstStyle/>
                     <a:p>
                       <a:r>
@@ -6528,7 +6624,9 @@
               <a:tr h="415500">
                 <a:tc>
                   <a:txBody>
-                    <a:bodyPr/>
+                    <a:bodyPr wrap="square">
+                      <a:normAutofit/>
+                    </a:bodyPr>
                     <a:lstStyle/>
                     <a:p>
                       <a:r>
@@ -6540,7 +6638,9 @@
                 </a:tc>
                 <a:tc>
                   <a:txBody>
-                    <a:bodyPr/>
+                    <a:bodyPr wrap="square">
+                      <a:normAutofit/>
+                    </a:bodyPr>
                     <a:lstStyle/>
                     <a:p>
                       <a:r>
@@ -6552,7 +6652,9 @@
                 </a:tc>
                 <a:tc>
                   <a:txBody>
-                    <a:bodyPr/>
+                    <a:bodyPr wrap="square">
+                      <a:normAutofit/>
+                    </a:bodyPr>
                     <a:lstStyle/>
                     <a:p>
                       <a:r>
@@ -6564,7 +6666,9 @@
                 </a:tc>
                 <a:tc>
                   <a:txBody>
-                    <a:bodyPr/>
+                    <a:bodyPr wrap="square">
+                      <a:normAutofit/>
+                    </a:bodyPr>
                     <a:lstStyle/>
                     <a:p>
                       <a:r>
@@ -6578,7 +6682,9 @@
               <a:tr h="415500">
                 <a:tc>
                   <a:txBody>
-                    <a:bodyPr/>
+                    <a:bodyPr wrap="square">
+                      <a:normAutofit/>
+                    </a:bodyPr>
                     <a:lstStyle/>
                     <a:p>
                       <a:r>
@@ -6590,7 +6696,9 @@
                 </a:tc>
                 <a:tc>
                   <a:txBody>
-                    <a:bodyPr/>
+                    <a:bodyPr wrap="square">
+                      <a:normAutofit/>
+                    </a:bodyPr>
                     <a:lstStyle/>
                     <a:p>
                       <a:r>
@@ -6602,7 +6710,9 @@
                 </a:tc>
                 <a:tc>
                   <a:txBody>
-                    <a:bodyPr/>
+                    <a:bodyPr wrap="square">
+                      <a:normAutofit/>
+                    </a:bodyPr>
                     <a:lstStyle/>
                     <a:p>
                       <a:r>
@@ -6614,7 +6724,9 @@
                 </a:tc>
                 <a:tc>
                   <a:txBody>
-                    <a:bodyPr/>
+                    <a:bodyPr wrap="square">
+                      <a:normAutofit/>
+                    </a:bodyPr>
                     <a:lstStyle/>
                     <a:p>
                       <a:r>
@@ -6628,7 +6740,9 @@
               <a:tr h="415500">
                 <a:tc>
                   <a:txBody>
-                    <a:bodyPr/>
+                    <a:bodyPr wrap="square">
+                      <a:normAutofit/>
+                    </a:bodyPr>
                     <a:lstStyle/>
                     <a:p>
                       <a:r>
@@ -6640,7 +6754,9 @@
                 </a:tc>
                 <a:tc>
                   <a:txBody>
-                    <a:bodyPr/>
+                    <a:bodyPr wrap="square">
+                      <a:normAutofit/>
+                    </a:bodyPr>
                     <a:lstStyle/>
                     <a:p>
                       <a:r>
@@ -6652,7 +6768,9 @@
                 </a:tc>
                 <a:tc>
                   <a:txBody>
-                    <a:bodyPr/>
+                    <a:bodyPr wrap="square">
+                      <a:normAutofit/>
+                    </a:bodyPr>
                     <a:lstStyle/>
                     <a:p>
                       <a:r>
@@ -6664,7 +6782,9 @@
                 </a:tc>
                 <a:tc>
                   <a:txBody>
-                    <a:bodyPr/>
+                    <a:bodyPr wrap="square">
+                      <a:normAutofit/>
+                    </a:bodyPr>
                     <a:lstStyle/>
                     <a:p>
                       <a:r>
@@ -6678,7 +6798,9 @@
               <a:tr h="415500">
                 <a:tc>
                   <a:txBody>
-                    <a:bodyPr/>
+                    <a:bodyPr wrap="square">
+                      <a:normAutofit/>
+                    </a:bodyPr>
                     <a:lstStyle/>
                     <a:p>
                       <a:r>
@@ -6690,7 +6812,9 @@
                 </a:tc>
                 <a:tc>
                   <a:txBody>
-                    <a:bodyPr/>
+                    <a:bodyPr wrap="square">
+                      <a:normAutofit/>
+                    </a:bodyPr>
                     <a:lstStyle/>
                     <a:p>
                       <a:r>
@@ -6702,7 +6826,9 @@
                 </a:tc>
                 <a:tc>
                   <a:txBody>
-                    <a:bodyPr/>
+                    <a:bodyPr wrap="square">
+                      <a:normAutofit/>
+                    </a:bodyPr>
                     <a:lstStyle/>
                     <a:p>
                       <a:r>
@@ -6714,7 +6840,9 @@
                 </a:tc>
                 <a:tc>
                   <a:txBody>
-                    <a:bodyPr/>
+                    <a:bodyPr wrap="square">
+                      <a:normAutofit/>
+                    </a:bodyPr>
                     <a:lstStyle/>
                     <a:p>
                       <a:r>
@@ -6728,7 +6856,9 @@
               <a:tr h="415500">
                 <a:tc>
                   <a:txBody>
-                    <a:bodyPr/>
+                    <a:bodyPr wrap="square">
+                      <a:normAutofit/>
+                    </a:bodyPr>
                     <a:lstStyle/>
                     <a:p>
                       <a:r>
@@ -6740,7 +6870,9 @@
                 </a:tc>
                 <a:tc>
                   <a:txBody>
-                    <a:bodyPr/>
+                    <a:bodyPr wrap="square">
+                      <a:normAutofit/>
+                    </a:bodyPr>
                     <a:lstStyle/>
                     <a:p>
                       <a:r>
@@ -6752,7 +6884,9 @@
                 </a:tc>
                 <a:tc>
                   <a:txBody>
-                    <a:bodyPr/>
+                    <a:bodyPr wrap="square">
+                      <a:normAutofit/>
+                    </a:bodyPr>
                     <a:lstStyle/>
                     <a:p>
                       <a:r>
@@ -6764,7 +6898,9 @@
                 </a:tc>
                 <a:tc>
                   <a:txBody>
-                    <a:bodyPr/>
+                    <a:bodyPr wrap="square">
+                      <a:normAutofit/>
+                    </a:bodyPr>
                     <a:lstStyle/>
                     <a:p>
                       <a:r>
@@ -6778,7 +6914,9 @@
               <a:tr h="415500">
                 <a:tc>
                   <a:txBody>
-                    <a:bodyPr/>
+                    <a:bodyPr wrap="square">
+                      <a:normAutofit/>
+                    </a:bodyPr>
                     <a:lstStyle/>
                     <a:p>
                       <a:r>
@@ -6790,7 +6928,9 @@
                 </a:tc>
                 <a:tc>
                   <a:txBody>
-                    <a:bodyPr/>
+                    <a:bodyPr wrap="square">
+                      <a:normAutofit/>
+                    </a:bodyPr>
                     <a:lstStyle/>
                     <a:p>
                       <a:r>
@@ -6802,7 +6942,9 @@
                 </a:tc>
                 <a:tc>
                   <a:txBody>
-                    <a:bodyPr/>
+                    <a:bodyPr wrap="square">
+                      <a:normAutofit/>
+                    </a:bodyPr>
                     <a:lstStyle/>
                     <a:p>
                       <a:r>
@@ -6814,7 +6956,9 @@
                 </a:tc>
                 <a:tc>
                   <a:txBody>
-                    <a:bodyPr/>
+                    <a:bodyPr wrap="square">
+                      <a:normAutofit/>
+                    </a:bodyPr>
                     <a:lstStyle/>
                     <a:p>
                       <a:r>
@@ -6856,7 +7000,9 @@
               <a:tr h="415500">
                 <a:tc>
                   <a:txBody>
-                    <a:bodyPr/>
+                    <a:bodyPr wrap="square">
+                      <a:normAutofit/>
+                    </a:bodyPr>
                     <a:lstStyle/>
                     <a:p>
                       <a:r>
@@ -6868,7 +7014,9 @@
                 </a:tc>
                 <a:tc>
                   <a:txBody>
-                    <a:bodyPr/>
+                    <a:bodyPr wrap="square">
+                      <a:normAutofit/>
+                    </a:bodyPr>
                     <a:lstStyle/>
                     <a:p>
                       <a:r>
@@ -6880,7 +7028,9 @@
                 </a:tc>
                 <a:tc>
                   <a:txBody>
-                    <a:bodyPr/>
+                    <a:bodyPr wrap="square">
+                      <a:normAutofit/>
+                    </a:bodyPr>
                     <a:lstStyle/>
                     <a:p>
                       <a:r>
@@ -6892,7 +7042,9 @@
                 </a:tc>
                 <a:tc>
                   <a:txBody>
-                    <a:bodyPr/>
+                    <a:bodyPr wrap="square">
+                      <a:normAutofit/>
+                    </a:bodyPr>
                     <a:lstStyle/>
                     <a:p>
                       <a:r>
@@ -6906,7 +7058,9 @@
               <a:tr h="415500">
                 <a:tc>
                   <a:txBody>
-                    <a:bodyPr/>
+                    <a:bodyPr wrap="square">
+                      <a:normAutofit/>
+                    </a:bodyPr>
                     <a:lstStyle/>
                     <a:p>
                       <a:r>
@@ -6918,7 +7072,9 @@
                 </a:tc>
                 <a:tc>
                   <a:txBody>
-                    <a:bodyPr/>
+                    <a:bodyPr wrap="square">
+                      <a:normAutofit/>
+                    </a:bodyPr>
                     <a:lstStyle/>
                     <a:p>
                       <a:r>
@@ -6930,7 +7086,9 @@
                 </a:tc>
                 <a:tc>
                   <a:txBody>
-                    <a:bodyPr/>
+                    <a:bodyPr wrap="square">
+                      <a:normAutofit/>
+                    </a:bodyPr>
                     <a:lstStyle/>
                     <a:p>
                       <a:r>
@@ -6942,7 +7100,9 @@
                 </a:tc>
                 <a:tc>
                   <a:txBody>
-                    <a:bodyPr/>
+                    <a:bodyPr wrap="square">
+                      <a:normAutofit/>
+                    </a:bodyPr>
                     <a:lstStyle/>
                     <a:p>
                       <a:r>
@@ -6956,7 +7116,9 @@
               <a:tr h="415500">
                 <a:tc>
                   <a:txBody>
-                    <a:bodyPr/>
+                    <a:bodyPr wrap="square">
+                      <a:normAutofit/>
+                    </a:bodyPr>
                     <a:lstStyle/>
                     <a:p>
                       <a:r>
@@ -6968,7 +7130,9 @@
                 </a:tc>
                 <a:tc>
                   <a:txBody>
-                    <a:bodyPr/>
+                    <a:bodyPr wrap="square">
+                      <a:normAutofit/>
+                    </a:bodyPr>
                     <a:lstStyle/>
                     <a:p>
                       <a:r>
@@ -6980,7 +7144,9 @@
                 </a:tc>
                 <a:tc>
                   <a:txBody>
-                    <a:bodyPr/>
+                    <a:bodyPr wrap="square">
+                      <a:normAutofit/>
+                    </a:bodyPr>
                     <a:lstStyle/>
                     <a:p>
                       <a:r>
@@ -6992,7 +7158,9 @@
                 </a:tc>
                 <a:tc>
                   <a:txBody>
-                    <a:bodyPr/>
+                    <a:bodyPr wrap="square">
+                      <a:normAutofit/>
+                    </a:bodyPr>
                     <a:lstStyle/>
                     <a:p>
                       <a:r>
@@ -7006,7 +7174,9 @@
               <a:tr h="415500">
                 <a:tc>
                   <a:txBody>
-                    <a:bodyPr/>
+                    <a:bodyPr wrap="square">
+                      <a:normAutofit/>
+                    </a:bodyPr>
                     <a:lstStyle/>
                     <a:p>
                       <a:r>
@@ -7018,7 +7188,9 @@
                 </a:tc>
                 <a:tc>
                   <a:txBody>
-                    <a:bodyPr/>
+                    <a:bodyPr wrap="square">
+                      <a:normAutofit/>
+                    </a:bodyPr>
                     <a:lstStyle/>
                     <a:p>
                       <a:r>
@@ -7030,7 +7202,9 @@
                 </a:tc>
                 <a:tc>
                   <a:txBody>
-                    <a:bodyPr/>
+                    <a:bodyPr wrap="square">
+                      <a:normAutofit/>
+                    </a:bodyPr>
                     <a:lstStyle/>
                     <a:p>
                       <a:r>
@@ -7042,7 +7216,9 @@
                 </a:tc>
                 <a:tc>
                   <a:txBody>
-                    <a:bodyPr/>
+                    <a:bodyPr wrap="square">
+                      <a:normAutofit/>
+                    </a:bodyPr>
                     <a:lstStyle/>
                     <a:p>
                       <a:r>
@@ -7056,7 +7232,9 @@
               <a:tr h="415500">
                 <a:tc>
                   <a:txBody>
-                    <a:bodyPr/>
+                    <a:bodyPr wrap="square">
+                      <a:normAutofit/>
+                    </a:bodyPr>
                     <a:lstStyle/>
                     <a:p>
                       <a:r>
@@ -7068,7 +7246,9 @@
                 </a:tc>
                 <a:tc>
                   <a:txBody>
-                    <a:bodyPr/>
+                    <a:bodyPr wrap="square">
+                      <a:normAutofit/>
+                    </a:bodyPr>
                     <a:lstStyle/>
                     <a:p>
                       <a:r>
@@ -7080,7 +7260,9 @@
                 </a:tc>
                 <a:tc>
                   <a:txBody>
-                    <a:bodyPr/>
+                    <a:bodyPr wrap="square">
+                      <a:normAutofit/>
+                    </a:bodyPr>
                     <a:lstStyle/>
                     <a:p>
                       <a:r>
@@ -7092,7 +7274,9 @@
                 </a:tc>
                 <a:tc>
                   <a:txBody>
-                    <a:bodyPr/>
+                    <a:bodyPr wrap="square">
+                      <a:normAutofit/>
+                    </a:bodyPr>
                     <a:lstStyle/>
                     <a:p>
                       <a:r>
@@ -7106,7 +7290,9 @@
               <a:tr h="415500">
                 <a:tc>
                   <a:txBody>
-                    <a:bodyPr/>
+                    <a:bodyPr wrap="square">
+                      <a:normAutofit/>
+                    </a:bodyPr>
                     <a:lstStyle/>
                     <a:p>
                       <a:r>
@@ -7118,7 +7304,9 @@
                 </a:tc>
                 <a:tc>
                   <a:txBody>
-                    <a:bodyPr/>
+                    <a:bodyPr wrap="square">
+                      <a:normAutofit/>
+                    </a:bodyPr>
                     <a:lstStyle/>
                     <a:p>
                       <a:r>
@@ -7130,7 +7318,9 @@
                 </a:tc>
                 <a:tc>
                   <a:txBody>
-                    <a:bodyPr/>
+                    <a:bodyPr wrap="square">
+                      <a:normAutofit/>
+                    </a:bodyPr>
                     <a:lstStyle/>
                     <a:p>
                       <a:r>
@@ -7142,7 +7332,9 @@
                 </a:tc>
                 <a:tc>
                   <a:txBody>
-                    <a:bodyPr/>
+                    <a:bodyPr wrap="square">
+                      <a:normAutofit/>
+                    </a:bodyPr>
                     <a:lstStyle/>
                     <a:p>
                       <a:r>
@@ -7184,7 +7376,9 @@
               <a:tr h="415500">
                 <a:tc>
                   <a:txBody>
-                    <a:bodyPr/>
+                    <a:bodyPr wrap="square">
+                      <a:normAutofit/>
+                    </a:bodyPr>
                     <a:lstStyle/>
                     <a:p>
                       <a:r>
@@ -7196,7 +7390,9 @@
                 </a:tc>
                 <a:tc>
                   <a:txBody>
-                    <a:bodyPr/>
+                    <a:bodyPr wrap="square">
+                      <a:normAutofit/>
+                    </a:bodyPr>
                     <a:lstStyle/>
                     <a:p>
                       <a:r>
@@ -7208,7 +7404,9 @@
                 </a:tc>
                 <a:tc>
                   <a:txBody>
-                    <a:bodyPr/>
+                    <a:bodyPr wrap="square">
+                      <a:normAutofit/>
+                    </a:bodyPr>
                     <a:lstStyle/>
                     <a:p>
                       <a:r>
@@ -7220,7 +7418,9 @@
                 </a:tc>
                 <a:tc>
                   <a:txBody>
-                    <a:bodyPr/>
+                    <a:bodyPr wrap="square">
+                      <a:normAutofit/>
+                    </a:bodyPr>
                     <a:lstStyle/>
                     <a:p>
                       <a:r>
@@ -7234,7 +7434,9 @@
               <a:tr h="415500">
                 <a:tc>
                   <a:txBody>
-                    <a:bodyPr/>
+                    <a:bodyPr wrap="square">
+                      <a:normAutofit/>
+                    </a:bodyPr>
                     <a:lstStyle/>
                     <a:p>
                       <a:r>
@@ -7246,7 +7448,9 @@
                 </a:tc>
                 <a:tc>
                   <a:txBody>
-                    <a:bodyPr/>
+                    <a:bodyPr wrap="square">
+                      <a:normAutofit/>
+                    </a:bodyPr>
                     <a:lstStyle/>
                     <a:p>
                       <a:r>
@@ -7258,7 +7462,9 @@
                 </a:tc>
                 <a:tc>
                   <a:txBody>
-                    <a:bodyPr/>
+                    <a:bodyPr wrap="square">
+                      <a:normAutofit/>
+                    </a:bodyPr>
                     <a:lstStyle/>
                     <a:p>
                       <a:r>
@@ -7270,7 +7476,9 @@
                 </a:tc>
                 <a:tc>
                   <a:txBody>
-                    <a:bodyPr/>
+                    <a:bodyPr wrap="square">
+                      <a:normAutofit/>
+                    </a:bodyPr>
                     <a:lstStyle/>
                     <a:p>
                       <a:r>
@@ -7284,7 +7492,9 @@
               <a:tr h="415500">
                 <a:tc>
                   <a:txBody>
-                    <a:bodyPr/>
+                    <a:bodyPr wrap="square">
+                      <a:normAutofit/>
+                    </a:bodyPr>
                     <a:lstStyle/>
                     <a:p>
                       <a:r>
@@ -7296,7 +7506,9 @@
                 </a:tc>
                 <a:tc>
                   <a:txBody>
-                    <a:bodyPr/>
+                    <a:bodyPr wrap="square">
+                      <a:normAutofit/>
+                    </a:bodyPr>
                     <a:lstStyle/>
                     <a:p>
                       <a:r>
@@ -7308,7 +7520,9 @@
                 </a:tc>
                 <a:tc>
                   <a:txBody>
-                    <a:bodyPr/>
+                    <a:bodyPr wrap="square">
+                      <a:normAutofit/>
+                    </a:bodyPr>
                     <a:lstStyle/>
                     <a:p>
                       <a:r>
@@ -7320,7 +7534,9 @@
                 </a:tc>
                 <a:tc>
                   <a:txBody>
-                    <a:bodyPr/>
+                    <a:bodyPr wrap="square">
+                      <a:normAutofit/>
+                    </a:bodyPr>
                     <a:lstStyle/>
                     <a:p>
                       <a:r>
@@ -7334,7 +7550,9 @@
               <a:tr h="415500">
                 <a:tc>
                   <a:txBody>
-                    <a:bodyPr/>
+                    <a:bodyPr wrap="square">
+                      <a:normAutofit/>
+                    </a:bodyPr>
                     <a:lstStyle/>
                     <a:p>
                       <a:r>
@@ -7346,7 +7564,9 @@
                 </a:tc>
                 <a:tc>
                   <a:txBody>
-                    <a:bodyPr/>
+                    <a:bodyPr wrap="square">
+                      <a:normAutofit/>
+                    </a:bodyPr>
                     <a:lstStyle/>
                     <a:p>
                       <a:r>
@@ -7358,7 +7578,9 @@
                 </a:tc>
                 <a:tc>
                   <a:txBody>
-                    <a:bodyPr/>
+                    <a:bodyPr wrap="square">
+                      <a:normAutofit/>
+                    </a:bodyPr>
                     <a:lstStyle/>
                     <a:p>
                       <a:r>
@@ -7370,7 +7592,9 @@
                 </a:tc>
                 <a:tc>
                   <a:txBody>
-                    <a:bodyPr/>
+                    <a:bodyPr wrap="square">
+                      <a:normAutofit/>
+                    </a:bodyPr>
                     <a:lstStyle/>
                     <a:p>
                       <a:r>
@@ -7384,7 +7608,9 @@
               <a:tr h="415500">
                 <a:tc>
                   <a:txBody>
-                    <a:bodyPr/>
+                    <a:bodyPr wrap="square">
+                      <a:normAutofit/>
+                    </a:bodyPr>
                     <a:lstStyle/>
                     <a:p>
                       <a:r>
@@ -7396,7 +7622,9 @@
                 </a:tc>
                 <a:tc>
                   <a:txBody>
-                    <a:bodyPr/>
+                    <a:bodyPr wrap="square">
+                      <a:normAutofit/>
+                    </a:bodyPr>
                     <a:lstStyle/>
                     <a:p>
                       <a:r>
@@ -7408,7 +7636,9 @@
                 </a:tc>
                 <a:tc>
                   <a:txBody>
-                    <a:bodyPr/>
+                    <a:bodyPr wrap="square">
+                      <a:normAutofit/>
+                    </a:bodyPr>
                     <a:lstStyle/>
                     <a:p>
                       <a:r>
@@ -7420,7 +7650,9 @@
                 </a:tc>
                 <a:tc>
                   <a:txBody>
-                    <a:bodyPr/>
+                    <a:bodyPr wrap="square">
+                      <a:normAutofit/>
+                    </a:bodyPr>
                     <a:lstStyle/>
                     <a:p>
                       <a:r>
@@ -7434,7 +7666,9 @@
               <a:tr h="415500">
                 <a:tc>
                   <a:txBody>
-                    <a:bodyPr/>
+                    <a:bodyPr wrap="square">
+                      <a:normAutofit/>
+                    </a:bodyPr>
                     <a:lstStyle/>
                     <a:p>
                       <a:r>
@@ -7446,7 +7680,9 @@
                 </a:tc>
                 <a:tc>
                   <a:txBody>
-                    <a:bodyPr/>
+                    <a:bodyPr wrap="square">
+                      <a:normAutofit/>
+                    </a:bodyPr>
                     <a:lstStyle/>
                     <a:p>
                       <a:r>
@@ -7458,7 +7694,9 @@
                 </a:tc>
                 <a:tc>
                   <a:txBody>
-                    <a:bodyPr/>
+                    <a:bodyPr wrap="square">
+                      <a:normAutofit/>
+                    </a:bodyPr>
                     <a:lstStyle/>
                     <a:p>
                       <a:r>
@@ -7470,7 +7708,9 @@
                 </a:tc>
                 <a:tc>
                   <a:txBody>
-                    <a:bodyPr/>
+                    <a:bodyPr wrap="square">
+                      <a:normAutofit/>
+                    </a:bodyPr>
                     <a:lstStyle/>
                     <a:p>
                       <a:r>
@@ -7622,7 +7862,9 @@
               <a:tr h="415500">
                 <a:tc>
                   <a:txBody>
-                    <a:bodyPr/>
+                    <a:bodyPr wrap="square">
+                      <a:normAutofit/>
+                    </a:bodyPr>
                     <a:lstStyle/>
                     <a:p>
                       <a:r>
@@ -7634,7 +7876,9 @@
                 </a:tc>
                 <a:tc>
                   <a:txBody>
-                    <a:bodyPr/>
+                    <a:bodyPr wrap="square">
+                      <a:normAutofit/>
+                    </a:bodyPr>
                     <a:lstStyle/>
                     <a:p>
                       <a:r>
@@ -7646,7 +7890,9 @@
                 </a:tc>
                 <a:tc>
                   <a:txBody>
-                    <a:bodyPr/>
+                    <a:bodyPr wrap="square">
+                      <a:normAutofit/>
+                    </a:bodyPr>
                     <a:lstStyle/>
                     <a:p>
                       <a:r>
@@ -7658,7 +7904,9 @@
                 </a:tc>
                 <a:tc>
                   <a:txBody>
-                    <a:bodyPr/>
+                    <a:bodyPr wrap="square">
+                      <a:normAutofit/>
+                    </a:bodyPr>
                     <a:lstStyle/>
                     <a:p>
                       <a:r>
@@ -7672,7 +7920,9 @@
               <a:tr h="415500">
                 <a:tc>
                   <a:txBody>
-                    <a:bodyPr/>
+                    <a:bodyPr wrap="square">
+                      <a:normAutofit/>
+                    </a:bodyPr>
                     <a:lstStyle/>
                     <a:p>
                       <a:r>
@@ -7684,7 +7934,9 @@
                 </a:tc>
                 <a:tc>
                   <a:txBody>
-                    <a:bodyPr/>
+                    <a:bodyPr wrap="square">
+                      <a:normAutofit/>
+                    </a:bodyPr>
                     <a:lstStyle/>
                     <a:p>
                       <a:r>
@@ -7696,7 +7948,9 @@
                 </a:tc>
                 <a:tc>
                   <a:txBody>
-                    <a:bodyPr/>
+                    <a:bodyPr wrap="square">
+                      <a:normAutofit/>
+                    </a:bodyPr>
                     <a:lstStyle/>
                     <a:p>
                       <a:r>
@@ -7708,7 +7962,9 @@
                 </a:tc>
                 <a:tc>
                   <a:txBody>
-                    <a:bodyPr/>
+                    <a:bodyPr wrap="square">
+                      <a:normAutofit/>
+                    </a:bodyPr>
                     <a:lstStyle/>
                     <a:p>
                       <a:r>
@@ -7722,7 +7978,9 @@
               <a:tr h="415500">
                 <a:tc>
                   <a:txBody>
-                    <a:bodyPr/>
+                    <a:bodyPr wrap="square">
+                      <a:normAutofit/>
+                    </a:bodyPr>
                     <a:lstStyle/>
                     <a:p>
                       <a:r>
@@ -7734,7 +7992,9 @@
                 </a:tc>
                 <a:tc>
                   <a:txBody>
-                    <a:bodyPr/>
+                    <a:bodyPr wrap="square">
+                      <a:normAutofit/>
+                    </a:bodyPr>
                     <a:lstStyle/>
                     <a:p>
                       <a:r>
@@ -7746,7 +8006,9 @@
                 </a:tc>
                 <a:tc>
                   <a:txBody>
-                    <a:bodyPr/>
+                    <a:bodyPr wrap="square">
+                      <a:normAutofit/>
+                    </a:bodyPr>
                     <a:lstStyle/>
                     <a:p>
                       <a:r>
@@ -7758,7 +8020,9 @@
                 </a:tc>
                 <a:tc>
                   <a:txBody>
-                    <a:bodyPr/>
+                    <a:bodyPr wrap="square">
+                      <a:normAutofit/>
+                    </a:bodyPr>
                     <a:lstStyle/>
                     <a:p>
                       <a:r>
@@ -7772,7 +8036,9 @@
               <a:tr h="415500">
                 <a:tc>
                   <a:txBody>
-                    <a:bodyPr/>
+                    <a:bodyPr wrap="square">
+                      <a:normAutofit/>
+                    </a:bodyPr>
                     <a:lstStyle/>
                     <a:p>
                       <a:r>
@@ -7784,7 +8050,9 @@
                 </a:tc>
                 <a:tc>
                   <a:txBody>
-                    <a:bodyPr/>
+                    <a:bodyPr wrap="square">
+                      <a:normAutofit/>
+                    </a:bodyPr>
                     <a:lstStyle/>
                     <a:p>
                       <a:r>
@@ -7796,7 +8064,9 @@
                 </a:tc>
                 <a:tc>
                   <a:txBody>
-                    <a:bodyPr/>
+                    <a:bodyPr wrap="square">
+                      <a:normAutofit/>
+                    </a:bodyPr>
                     <a:lstStyle/>
                     <a:p>
                       <a:r>
@@ -7808,7 +8078,9 @@
                 </a:tc>
                 <a:tc>
                   <a:txBody>
-                    <a:bodyPr/>
+                    <a:bodyPr wrap="square">
+                      <a:normAutofit/>
+                    </a:bodyPr>
                     <a:lstStyle/>
                     <a:p>
                       <a:r>
@@ -7822,7 +8094,9 @@
               <a:tr h="415500">
                 <a:tc>
                   <a:txBody>
-                    <a:bodyPr/>
+                    <a:bodyPr wrap="square">
+                      <a:normAutofit/>
+                    </a:bodyPr>
                     <a:lstStyle/>
                     <a:p>
                       <a:r>
@@ -7834,7 +8108,9 @@
                 </a:tc>
                 <a:tc>
                   <a:txBody>
-                    <a:bodyPr/>
+                    <a:bodyPr wrap="square">
+                      <a:normAutofit/>
+                    </a:bodyPr>
                     <a:lstStyle/>
                     <a:p>
                       <a:r>
@@ -7846,7 +8122,9 @@
                 </a:tc>
                 <a:tc>
                   <a:txBody>
-                    <a:bodyPr/>
+                    <a:bodyPr wrap="square">
+                      <a:normAutofit/>
+                    </a:bodyPr>
                     <a:lstStyle/>
                     <a:p>
                       <a:r>
@@ -7858,7 +8136,9 @@
                 </a:tc>
                 <a:tc>
                   <a:txBody>
-                    <a:bodyPr/>
+                    <a:bodyPr wrap="square">
+                      <a:normAutofit/>
+                    </a:bodyPr>
                     <a:lstStyle/>
                     <a:p>
                       <a:r>
@@ -7872,7 +8152,9 @@
               <a:tr h="415500">
                 <a:tc>
                   <a:txBody>
-                    <a:bodyPr/>
+                    <a:bodyPr wrap="square">
+                      <a:normAutofit/>
+                    </a:bodyPr>
                     <a:lstStyle/>
                     <a:p>
                       <a:r>
@@ -7884,7 +8166,9 @@
                 </a:tc>
                 <a:tc>
                   <a:txBody>
-                    <a:bodyPr/>
+                    <a:bodyPr wrap="square">
+                      <a:normAutofit/>
+                    </a:bodyPr>
                     <a:lstStyle/>
                     <a:p>
                       <a:r>
@@ -7896,7 +8180,9 @@
                 </a:tc>
                 <a:tc>
                   <a:txBody>
-                    <a:bodyPr/>
+                    <a:bodyPr wrap="square">
+                      <a:normAutofit/>
+                    </a:bodyPr>
                     <a:lstStyle/>
                     <a:p>
                       <a:r>
@@ -7908,7 +8194,9 @@
                 </a:tc>
                 <a:tc>
                   <a:txBody>
-                    <a:bodyPr/>
+                    <a:bodyPr wrap="square">
+                      <a:normAutofit/>
+                    </a:bodyPr>
                     <a:lstStyle/>
                     <a:p>
                       <a:r>
@@ -7950,7 +8238,9 @@
               <a:tr h="415500">
                 <a:tc>
                   <a:txBody>
-                    <a:bodyPr/>
+                    <a:bodyPr wrap="square">
+                      <a:normAutofit/>
+                    </a:bodyPr>
                     <a:lstStyle/>
                     <a:p>
                       <a:r>
@@ -7962,7 +8252,9 @@
                 </a:tc>
                 <a:tc>
                   <a:txBody>
-                    <a:bodyPr/>
+                    <a:bodyPr wrap="square">
+                      <a:normAutofit/>
+                    </a:bodyPr>
                     <a:lstStyle/>
                     <a:p>
                       <a:r>
@@ -7974,7 +8266,9 @@
                 </a:tc>
                 <a:tc>
                   <a:txBody>
-                    <a:bodyPr/>
+                    <a:bodyPr wrap="square">
+                      <a:normAutofit/>
+                    </a:bodyPr>
                     <a:lstStyle/>
                     <a:p>
                       <a:r>
@@ -7986,7 +8280,9 @@
                 </a:tc>
                 <a:tc>
                   <a:txBody>
-                    <a:bodyPr/>
+                    <a:bodyPr wrap="square">
+                      <a:normAutofit/>
+                    </a:bodyPr>
                     <a:lstStyle/>
                     <a:p>
                       <a:r>
@@ -8000,7 +8296,9 @@
               <a:tr h="415500">
                 <a:tc>
                   <a:txBody>
-                    <a:bodyPr/>
+                    <a:bodyPr wrap="square">
+                      <a:normAutofit/>
+                    </a:bodyPr>
                     <a:lstStyle/>
                     <a:p>
                       <a:r>
@@ -8012,7 +8310,9 @@
                 </a:tc>
                 <a:tc>
                   <a:txBody>
-                    <a:bodyPr/>
+                    <a:bodyPr wrap="square">
+                      <a:normAutofit/>
+                    </a:bodyPr>
                     <a:lstStyle/>
                     <a:p>
                       <a:r>
@@ -8024,7 +8324,9 @@
                 </a:tc>
                 <a:tc>
                   <a:txBody>
-                    <a:bodyPr/>
+                    <a:bodyPr wrap="square">
+                      <a:normAutofit/>
+                    </a:bodyPr>
                     <a:lstStyle/>
                     <a:p>
                       <a:r>
@@ -8036,7 +8338,9 @@
                 </a:tc>
                 <a:tc>
                   <a:txBody>
-                    <a:bodyPr/>
+                    <a:bodyPr wrap="square">
+                      <a:normAutofit/>
+                    </a:bodyPr>
                     <a:lstStyle/>
                     <a:p>
                       <a:r>
@@ -8050,7 +8354,9 @@
               <a:tr h="415500">
                 <a:tc>
                   <a:txBody>
-                    <a:bodyPr/>
+                    <a:bodyPr wrap="square">
+                      <a:normAutofit/>
+                    </a:bodyPr>
                     <a:lstStyle/>
                     <a:p>
                       <a:r>
@@ -8062,7 +8368,9 @@
                 </a:tc>
                 <a:tc>
                   <a:txBody>
-                    <a:bodyPr/>
+                    <a:bodyPr wrap="square">
+                      <a:normAutofit/>
+                    </a:bodyPr>
                     <a:lstStyle/>
                     <a:p>
                       <a:r>
@@ -8074,7 +8382,9 @@
                 </a:tc>
                 <a:tc>
                   <a:txBody>
-                    <a:bodyPr/>
+                    <a:bodyPr wrap="square">
+                      <a:normAutofit/>
+                    </a:bodyPr>
                     <a:lstStyle/>
                     <a:p>
                       <a:r>
@@ -8086,7 +8396,9 @@
                 </a:tc>
                 <a:tc>
                   <a:txBody>
-                    <a:bodyPr/>
+                    <a:bodyPr wrap="square">
+                      <a:normAutofit/>
+                    </a:bodyPr>
                     <a:lstStyle/>
                     <a:p>
                       <a:r>
@@ -8100,7 +8412,9 @@
               <a:tr h="415500">
                 <a:tc>
                   <a:txBody>
-                    <a:bodyPr/>
+                    <a:bodyPr wrap="square">
+                      <a:normAutofit/>
+                    </a:bodyPr>
                     <a:lstStyle/>
                     <a:p>
                       <a:r>
@@ -8112,7 +8426,9 @@
                 </a:tc>
                 <a:tc>
                   <a:txBody>
-                    <a:bodyPr/>
+                    <a:bodyPr wrap="square">
+                      <a:normAutofit/>
+                    </a:bodyPr>
                     <a:lstStyle/>
                     <a:p>
                       <a:r>
@@ -8124,7 +8440,9 @@
                 </a:tc>
                 <a:tc>
                   <a:txBody>
-                    <a:bodyPr/>
+                    <a:bodyPr wrap="square">
+                      <a:normAutofit/>
+                    </a:bodyPr>
                     <a:lstStyle/>
                     <a:p>
                       <a:r>
@@ -8136,7 +8454,9 @@
                 </a:tc>
                 <a:tc>
                   <a:txBody>
-                    <a:bodyPr/>
+                    <a:bodyPr wrap="square">
+                      <a:normAutofit/>
+                    </a:bodyPr>
                     <a:lstStyle/>
                     <a:p>
                       <a:r>
@@ -8150,7 +8470,9 @@
               <a:tr h="415500">
                 <a:tc>
                   <a:txBody>
-                    <a:bodyPr/>
+                    <a:bodyPr wrap="square">
+                      <a:normAutofit/>
+                    </a:bodyPr>
                     <a:lstStyle/>
                     <a:p>
                       <a:r>
@@ -8162,7 +8484,9 @@
                 </a:tc>
                 <a:tc>
                   <a:txBody>
-                    <a:bodyPr/>
+                    <a:bodyPr wrap="square">
+                      <a:normAutofit/>
+                    </a:bodyPr>
                     <a:lstStyle/>
                     <a:p>
                       <a:r>
@@ -8174,7 +8498,9 @@
                 </a:tc>
                 <a:tc>
                   <a:txBody>
-                    <a:bodyPr/>
+                    <a:bodyPr wrap="square">
+                      <a:normAutofit/>
+                    </a:bodyPr>
                     <a:lstStyle/>
                     <a:p>
                       <a:r>
@@ -8186,7 +8512,9 @@
                 </a:tc>
                 <a:tc>
                   <a:txBody>
-                    <a:bodyPr/>
+                    <a:bodyPr wrap="square">
+                      <a:normAutofit/>
+                    </a:bodyPr>
                     <a:lstStyle/>
                     <a:p>
                       <a:r>
@@ -8200,7 +8528,9 @@
               <a:tr h="415500">
                 <a:tc>
                   <a:txBody>
-                    <a:bodyPr/>
+                    <a:bodyPr wrap="square">
+                      <a:normAutofit/>
+                    </a:bodyPr>
                     <a:lstStyle/>
                     <a:p>
                       <a:r>
@@ -8212,7 +8542,9 @@
                 </a:tc>
                 <a:tc>
                   <a:txBody>
-                    <a:bodyPr/>
+                    <a:bodyPr wrap="square">
+                      <a:normAutofit/>
+                    </a:bodyPr>
                     <a:lstStyle/>
                     <a:p>
                       <a:r>
@@ -8224,7 +8556,9 @@
                 </a:tc>
                 <a:tc>
                   <a:txBody>
-                    <a:bodyPr/>
+                    <a:bodyPr wrap="square">
+                      <a:normAutofit/>
+                    </a:bodyPr>
                     <a:lstStyle/>
                     <a:p>
                       <a:r>
@@ -8236,7 +8570,9 @@
                 </a:tc>
                 <a:tc>
                   <a:txBody>
-                    <a:bodyPr/>
+                    <a:bodyPr wrap="square">
+                      <a:normAutofit/>
+                    </a:bodyPr>
                     <a:lstStyle/>
                     <a:p>
                       <a:r>
@@ -8388,7 +8724,9 @@
               <a:tr h="415500">
                 <a:tc>
                   <a:txBody>
-                    <a:bodyPr/>
+                    <a:bodyPr wrap="square">
+                      <a:normAutofit/>
+                    </a:bodyPr>
                     <a:lstStyle/>
                     <a:p>
                       <a:r>
@@ -8400,7 +8738,9 @@
                 </a:tc>
                 <a:tc>
                   <a:txBody>
-                    <a:bodyPr/>
+                    <a:bodyPr wrap="square">
+                      <a:normAutofit/>
+                    </a:bodyPr>
                     <a:lstStyle/>
                     <a:p>
                       <a:r>
@@ -8412,7 +8752,9 @@
                 </a:tc>
                 <a:tc>
                   <a:txBody>
-                    <a:bodyPr/>
+                    <a:bodyPr wrap="square">
+                      <a:normAutofit/>
+                    </a:bodyPr>
                     <a:lstStyle/>
                     <a:p>
                       <a:r>
@@ -8424,7 +8766,9 @@
                 </a:tc>
                 <a:tc>
                   <a:txBody>
-                    <a:bodyPr/>
+                    <a:bodyPr wrap="square">
+                      <a:normAutofit/>
+                    </a:bodyPr>
                     <a:lstStyle/>
                     <a:p>
                       <a:r>
@@ -8438,7 +8782,9 @@
               <a:tr h="415500">
                 <a:tc>
                   <a:txBody>
-                    <a:bodyPr/>
+                    <a:bodyPr wrap="square">
+                      <a:normAutofit/>
+                    </a:bodyPr>
                     <a:lstStyle/>
                     <a:p>
                       <a:r>
@@ -8450,7 +8796,9 @@
                 </a:tc>
                 <a:tc>
                   <a:txBody>
-                    <a:bodyPr/>
+                    <a:bodyPr wrap="square">
+                      <a:normAutofit/>
+                    </a:bodyPr>
                     <a:lstStyle/>
                     <a:p>
                       <a:r>
@@ -8462,7 +8810,9 @@
                 </a:tc>
                 <a:tc>
                   <a:txBody>
-                    <a:bodyPr/>
+                    <a:bodyPr wrap="square">
+                      <a:normAutofit/>
+                    </a:bodyPr>
                     <a:lstStyle/>
                     <a:p>
                       <a:r>
@@ -8474,7 +8824,9 @@
                 </a:tc>
                 <a:tc>
                   <a:txBody>
-                    <a:bodyPr/>
+                    <a:bodyPr wrap="square">
+                      <a:normAutofit/>
+                    </a:bodyPr>
                     <a:lstStyle/>
                     <a:p>
                       <a:r>
@@ -8488,7 +8840,9 @@
               <a:tr h="415500">
                 <a:tc>
                   <a:txBody>
-                    <a:bodyPr/>
+                    <a:bodyPr wrap="square">
+                      <a:normAutofit/>
+                    </a:bodyPr>
                     <a:lstStyle/>
                     <a:p>
                       <a:r>
@@ -8500,7 +8854,9 @@
                 </a:tc>
                 <a:tc>
                   <a:txBody>
-                    <a:bodyPr/>
+                    <a:bodyPr wrap="square">
+                      <a:normAutofit/>
+                    </a:bodyPr>
                     <a:lstStyle/>
                     <a:p>
                       <a:r>
@@ -8512,7 +8868,9 @@
                 </a:tc>
                 <a:tc>
                   <a:txBody>
-                    <a:bodyPr/>
+                    <a:bodyPr wrap="square">
+                      <a:normAutofit/>
+                    </a:bodyPr>
                     <a:lstStyle/>
                     <a:p>
                       <a:r>
@@ -8524,7 +8882,9 @@
                 </a:tc>
                 <a:tc>
                   <a:txBody>
-                    <a:bodyPr/>
+                    <a:bodyPr wrap="square">
+                      <a:normAutofit/>
+                    </a:bodyPr>
                     <a:lstStyle/>
                     <a:p>
                       <a:r>
@@ -8538,7 +8898,9 @@
               <a:tr h="415500">
                 <a:tc>
                   <a:txBody>
-                    <a:bodyPr/>
+                    <a:bodyPr wrap="square">
+                      <a:normAutofit/>
+                    </a:bodyPr>
                     <a:lstStyle/>
                     <a:p>
                       <a:r>
@@ -8550,7 +8912,9 @@
                 </a:tc>
                 <a:tc>
                   <a:txBody>
-                    <a:bodyPr/>
+                    <a:bodyPr wrap="square">
+                      <a:normAutofit/>
+                    </a:bodyPr>
                     <a:lstStyle/>
                     <a:p>
                       <a:r>
@@ -8562,7 +8926,9 @@
                 </a:tc>
                 <a:tc>
                   <a:txBody>
-                    <a:bodyPr/>
+                    <a:bodyPr wrap="square">
+                      <a:normAutofit/>
+                    </a:bodyPr>
                     <a:lstStyle/>
                     <a:p>
                       <a:r>
@@ -8574,7 +8940,9 @@
                 </a:tc>
                 <a:tc>
                   <a:txBody>
-                    <a:bodyPr/>
+                    <a:bodyPr wrap="square">
+                      <a:normAutofit/>
+                    </a:bodyPr>
                     <a:lstStyle/>
                     <a:p>
                       <a:r>
@@ -8588,7 +8956,9 @@
               <a:tr h="415500">
                 <a:tc>
                   <a:txBody>
-                    <a:bodyPr/>
+                    <a:bodyPr wrap="square">
+                      <a:normAutofit/>
+                    </a:bodyPr>
                     <a:lstStyle/>
                     <a:p>
                       <a:r>
@@ -8600,7 +8970,9 @@
                 </a:tc>
                 <a:tc>
                   <a:txBody>
-                    <a:bodyPr/>
+                    <a:bodyPr wrap="square">
+                      <a:normAutofit/>
+                    </a:bodyPr>
                     <a:lstStyle/>
                     <a:p>
                       <a:r>
@@ -8612,7 +8984,9 @@
                 </a:tc>
                 <a:tc>
                   <a:txBody>
-                    <a:bodyPr/>
+                    <a:bodyPr wrap="square">
+                      <a:normAutofit/>
+                    </a:bodyPr>
                     <a:lstStyle/>
                     <a:p>
                       <a:r>
@@ -8624,7 +8998,9 @@
                 </a:tc>
                 <a:tc>
                   <a:txBody>
-                    <a:bodyPr/>
+                    <a:bodyPr wrap="square">
+                      <a:normAutofit/>
+                    </a:bodyPr>
                     <a:lstStyle/>
                     <a:p>
                       <a:r>
@@ -8638,7 +9014,9 @@
               <a:tr h="415500">
                 <a:tc>
                   <a:txBody>
-                    <a:bodyPr/>
+                    <a:bodyPr wrap="square">
+                      <a:normAutofit/>
+                    </a:bodyPr>
                     <a:lstStyle/>
                     <a:p>
                       <a:r>
@@ -8650,7 +9028,9 @@
                 </a:tc>
                 <a:tc>
                   <a:txBody>
-                    <a:bodyPr/>
+                    <a:bodyPr wrap="square">
+                      <a:normAutofit/>
+                    </a:bodyPr>
                     <a:lstStyle/>
                     <a:p>
                       <a:r>
@@ -8662,7 +9042,9 @@
                 </a:tc>
                 <a:tc>
                   <a:txBody>
-                    <a:bodyPr/>
+                    <a:bodyPr wrap="square">
+                      <a:normAutofit/>
+                    </a:bodyPr>
                     <a:lstStyle/>
                     <a:p>
                       <a:r>
@@ -8674,7 +9056,9 @@
                 </a:tc>
                 <a:tc>
                   <a:txBody>
-                    <a:bodyPr/>
+                    <a:bodyPr wrap="square">
+                      <a:normAutofit/>
+                    </a:bodyPr>
                     <a:lstStyle/>
                     <a:p>
                       <a:r>
@@ -8716,7 +9100,9 @@
               <a:tr h="415500">
                 <a:tc>
                   <a:txBody>
-                    <a:bodyPr/>
+                    <a:bodyPr wrap="square">
+                      <a:normAutofit/>
+                    </a:bodyPr>
                     <a:lstStyle/>
                     <a:p>
                       <a:r>
@@ -8728,7 +9114,9 @@
                 </a:tc>
                 <a:tc>
                   <a:txBody>
-                    <a:bodyPr/>
+                    <a:bodyPr wrap="square">
+                      <a:normAutofit/>
+                    </a:bodyPr>
                     <a:lstStyle/>
                     <a:p>
                       <a:r>
@@ -8740,7 +9128,9 @@
                 </a:tc>
                 <a:tc>
                   <a:txBody>
-                    <a:bodyPr/>
+                    <a:bodyPr wrap="square">
+                      <a:normAutofit/>
+                    </a:bodyPr>
                     <a:lstStyle/>
                     <a:p>
                       <a:r>
@@ -8752,7 +9142,9 @@
                 </a:tc>
                 <a:tc>
                   <a:txBody>
-                    <a:bodyPr/>
+                    <a:bodyPr wrap="square">
+                      <a:normAutofit/>
+                    </a:bodyPr>
                     <a:lstStyle/>
                     <a:p>
                       <a:r>
@@ -8766,7 +9158,9 @@
               <a:tr h="415500">
                 <a:tc>
                   <a:txBody>
-                    <a:bodyPr/>
+                    <a:bodyPr wrap="square">
+                      <a:normAutofit/>
+                    </a:bodyPr>
                     <a:lstStyle/>
                     <a:p>
                       <a:r>
@@ -8778,7 +9172,9 @@
                 </a:tc>
                 <a:tc>
                   <a:txBody>
-                    <a:bodyPr/>
+                    <a:bodyPr wrap="square">
+                      <a:normAutofit/>
+                    </a:bodyPr>
                     <a:lstStyle/>
                     <a:p>
                       <a:r>
@@ -8790,7 +9186,9 @@
                 </a:tc>
                 <a:tc>
                   <a:txBody>
-                    <a:bodyPr/>
+                    <a:bodyPr wrap="square">
+                      <a:normAutofit/>
+                    </a:bodyPr>
                     <a:lstStyle/>
                     <a:p>
                       <a:r>
@@ -8802,7 +9200,9 @@
                 </a:tc>
                 <a:tc>
                   <a:txBody>
-                    <a:bodyPr/>
+                    <a:bodyPr wrap="square">
+                      <a:normAutofit/>
+                    </a:bodyPr>
                     <a:lstStyle/>
                     <a:p>
                       <a:r>
@@ -8816,7 +9216,9 @@
               <a:tr h="415500">
                 <a:tc>
                   <a:txBody>
-                    <a:bodyPr/>
+                    <a:bodyPr wrap="square">
+                      <a:normAutofit/>
+                    </a:bodyPr>
                     <a:lstStyle/>
                     <a:p>
                       <a:r>
@@ -8828,7 +9230,9 @@
                 </a:tc>
                 <a:tc>
                   <a:txBody>
-                    <a:bodyPr/>
+                    <a:bodyPr wrap="square">
+                      <a:normAutofit/>
+                    </a:bodyPr>
                     <a:lstStyle/>
                     <a:p>
                       <a:r>
@@ -8840,7 +9244,9 @@
                 </a:tc>
                 <a:tc>
                   <a:txBody>
-                    <a:bodyPr/>
+                    <a:bodyPr wrap="square">
+                      <a:normAutofit/>
+                    </a:bodyPr>
                     <a:lstStyle/>
                     <a:p>
                       <a:r>
@@ -8852,7 +9258,9 @@
                 </a:tc>
                 <a:tc>
                   <a:txBody>
-                    <a:bodyPr/>
+                    <a:bodyPr wrap="square">
+                      <a:normAutofit/>
+                    </a:bodyPr>
                     <a:lstStyle/>
                     <a:p>
                       <a:r>
@@ -8866,7 +9274,9 @@
               <a:tr h="415500">
                 <a:tc>
                   <a:txBody>
-                    <a:bodyPr/>
+                    <a:bodyPr wrap="square">
+                      <a:normAutofit/>
+                    </a:bodyPr>
                     <a:lstStyle/>
                     <a:p>
                       <a:r>
@@ -8878,7 +9288,9 @@
                 </a:tc>
                 <a:tc>
                   <a:txBody>
-                    <a:bodyPr/>
+                    <a:bodyPr wrap="square">
+                      <a:normAutofit/>
+                    </a:bodyPr>
                     <a:lstStyle/>
                     <a:p>
                       <a:r>
@@ -8890,7 +9302,9 @@
                 </a:tc>
                 <a:tc>
                   <a:txBody>
-                    <a:bodyPr/>
+                    <a:bodyPr wrap="square">
+                      <a:normAutofit/>
+                    </a:bodyPr>
                     <a:lstStyle/>
                     <a:p>
                       <a:r>
@@ -8902,7 +9316,9 @@
                 </a:tc>
                 <a:tc>
                   <a:txBody>
-                    <a:bodyPr/>
+                    <a:bodyPr wrap="square">
+                      <a:normAutofit/>
+                    </a:bodyPr>
                     <a:lstStyle/>
                     <a:p>
                       <a:r>
@@ -8916,7 +9332,9 @@
               <a:tr h="415500">
                 <a:tc>
                   <a:txBody>
-                    <a:bodyPr/>
+                    <a:bodyPr wrap="square">
+                      <a:normAutofit/>
+                    </a:bodyPr>
                     <a:lstStyle/>
                     <a:p>
                       <a:r>
@@ -8928,7 +9346,9 @@
                 </a:tc>
                 <a:tc>
                   <a:txBody>
-                    <a:bodyPr/>
+                    <a:bodyPr wrap="square">
+                      <a:normAutofit/>
+                    </a:bodyPr>
                     <a:lstStyle/>
                     <a:p>
                       <a:r>
@@ -8940,7 +9360,9 @@
                 </a:tc>
                 <a:tc>
                   <a:txBody>
-                    <a:bodyPr/>
+                    <a:bodyPr wrap="square">
+                      <a:normAutofit/>
+                    </a:bodyPr>
                     <a:lstStyle/>
                     <a:p>
                       <a:r>
@@ -8952,7 +9374,9 @@
                 </a:tc>
                 <a:tc>
                   <a:txBody>
-                    <a:bodyPr/>
+                    <a:bodyPr wrap="square">
+                      <a:normAutofit/>
+                    </a:bodyPr>
                     <a:lstStyle/>
                     <a:p>
                       <a:r>
@@ -8966,7 +9390,9 @@
               <a:tr h="415500">
                 <a:tc>
                   <a:txBody>
-                    <a:bodyPr/>
+                    <a:bodyPr wrap="square">
+                      <a:normAutofit/>
+                    </a:bodyPr>
                     <a:lstStyle/>
                     <a:p>
                       <a:r>
@@ -8978,7 +9404,9 @@
                 </a:tc>
                 <a:tc>
                   <a:txBody>
-                    <a:bodyPr/>
+                    <a:bodyPr wrap="square">
+                      <a:normAutofit/>
+                    </a:bodyPr>
                     <a:lstStyle/>
                     <a:p>
                       <a:r>
@@ -8990,7 +9418,9 @@
                 </a:tc>
                 <a:tc>
                   <a:txBody>
-                    <a:bodyPr/>
+                    <a:bodyPr wrap="square">
+                      <a:normAutofit/>
+                    </a:bodyPr>
                     <a:lstStyle/>
                     <a:p>
                       <a:r>
@@ -9002,7 +9432,9 @@
                 </a:tc>
                 <a:tc>
                   <a:txBody>
-                    <a:bodyPr/>
+                    <a:bodyPr wrap="square">
+                      <a:normAutofit/>
+                    </a:bodyPr>
                     <a:lstStyle/>
                     <a:p>
                       <a:r>
@@ -9044,7 +9476,9 @@
               <a:tr h="415500">
                 <a:tc>
                   <a:txBody>
-                    <a:bodyPr/>
+                    <a:bodyPr wrap="square">
+                      <a:normAutofit/>
+                    </a:bodyPr>
                     <a:lstStyle/>
                     <a:p>
                       <a:r>
@@ -9056,7 +9490,9 @@
                 </a:tc>
                 <a:tc>
                   <a:txBody>
-                    <a:bodyPr/>
+                    <a:bodyPr wrap="square">
+                      <a:normAutofit/>
+                    </a:bodyPr>
                     <a:lstStyle/>
                     <a:p>
                       <a:r>
@@ -9068,7 +9504,9 @@
                 </a:tc>
                 <a:tc>
                   <a:txBody>
-                    <a:bodyPr/>
+                    <a:bodyPr wrap="square">
+                      <a:normAutofit/>
+                    </a:bodyPr>
                     <a:lstStyle/>
                     <a:p>
                       <a:r>
@@ -9080,7 +9518,9 @@
                 </a:tc>
                 <a:tc>
                   <a:txBody>
-                    <a:bodyPr/>
+                    <a:bodyPr wrap="square">
+                      <a:normAutofit/>
+                    </a:bodyPr>
                     <a:lstStyle/>
                     <a:p>
                       <a:r>
@@ -9094,7 +9534,9 @@
               <a:tr h="415500">
                 <a:tc>
                   <a:txBody>
-                    <a:bodyPr/>
+                    <a:bodyPr wrap="square">
+                      <a:normAutofit/>
+                    </a:bodyPr>
                     <a:lstStyle/>
                     <a:p>
                       <a:r>
@@ -9106,7 +9548,9 @@
                 </a:tc>
                 <a:tc>
                   <a:txBody>
-                    <a:bodyPr/>
+                    <a:bodyPr wrap="square">
+                      <a:normAutofit/>
+                    </a:bodyPr>
                     <a:lstStyle/>
                     <a:p>
                       <a:r>
@@ -9118,7 +9562,9 @@
                 </a:tc>
                 <a:tc>
                   <a:txBody>
-                    <a:bodyPr/>
+                    <a:bodyPr wrap="square">
+                      <a:normAutofit/>
+                    </a:bodyPr>
                     <a:lstStyle/>
                     <a:p>
                       <a:r>
@@ -9130,7 +9576,9 @@
                 </a:tc>
                 <a:tc>
                   <a:txBody>
-                    <a:bodyPr/>
+                    <a:bodyPr wrap="square">
+                      <a:normAutofit/>
+                    </a:bodyPr>
                     <a:lstStyle/>
                     <a:p>
                       <a:r>
@@ -9144,7 +9592,9 @@
               <a:tr h="415500">
                 <a:tc>
                   <a:txBody>
-                    <a:bodyPr/>
+                    <a:bodyPr wrap="square">
+                      <a:normAutofit/>
+                    </a:bodyPr>
                     <a:lstStyle/>
                     <a:p>
                       <a:r>
@@ -9156,7 +9606,9 @@
                 </a:tc>
                 <a:tc>
                   <a:txBody>
-                    <a:bodyPr/>
+                    <a:bodyPr wrap="square">
+                      <a:normAutofit/>
+                    </a:bodyPr>
                     <a:lstStyle/>
                     <a:p>
                       <a:r>
@@ -9168,7 +9620,9 @@
                 </a:tc>
                 <a:tc>
                   <a:txBody>
-                    <a:bodyPr/>
+                    <a:bodyPr wrap="square">
+                      <a:normAutofit/>
+                    </a:bodyPr>
                     <a:lstStyle/>
                     <a:p>
                       <a:r>
@@ -9180,7 +9634,9 @@
                 </a:tc>
                 <a:tc>
                   <a:txBody>
-                    <a:bodyPr/>
+                    <a:bodyPr wrap="square">
+                      <a:normAutofit/>
+                    </a:bodyPr>
                     <a:lstStyle/>
                     <a:p>
                       <a:r>
@@ -9194,7 +9650,9 @@
               <a:tr h="415500">
                 <a:tc>
                   <a:txBody>
-                    <a:bodyPr/>
+                    <a:bodyPr wrap="square">
+                      <a:normAutofit/>
+                    </a:bodyPr>
                     <a:lstStyle/>
                     <a:p>
                       <a:r>
@@ -9206,7 +9664,9 @@
                 </a:tc>
                 <a:tc>
                   <a:txBody>
-                    <a:bodyPr/>
+                    <a:bodyPr wrap="square">
+                      <a:normAutofit/>
+                    </a:bodyPr>
                     <a:lstStyle/>
                     <a:p>
                       <a:r>
@@ -9218,7 +9678,9 @@
                 </a:tc>
                 <a:tc>
                   <a:txBody>
-                    <a:bodyPr/>
+                    <a:bodyPr wrap="square">
+                      <a:normAutofit/>
+                    </a:bodyPr>
                     <a:lstStyle/>
                     <a:p>
                       <a:r>
@@ -9230,7 +9692,9 @@
                 </a:tc>
                 <a:tc>
                   <a:txBody>
-                    <a:bodyPr/>
+                    <a:bodyPr wrap="square">
+                      <a:normAutofit/>
+                    </a:bodyPr>
                     <a:lstStyle/>
                     <a:p>
                       <a:r>
@@ -9244,7 +9708,9 @@
               <a:tr h="415500">
                 <a:tc>
                   <a:txBody>
-                    <a:bodyPr/>
+                    <a:bodyPr wrap="square">
+                      <a:normAutofit/>
+                    </a:bodyPr>
                     <a:lstStyle/>
                     <a:p>
                       <a:r>
@@ -9256,7 +9722,9 @@
                 </a:tc>
                 <a:tc>
                   <a:txBody>
-                    <a:bodyPr/>
+                    <a:bodyPr wrap="square">
+                      <a:normAutofit/>
+                    </a:bodyPr>
                     <a:lstStyle/>
                     <a:p>
                       <a:r>
@@ -9268,7 +9736,9 @@
                 </a:tc>
                 <a:tc>
                   <a:txBody>
-                    <a:bodyPr/>
+                    <a:bodyPr wrap="square">
+                      <a:normAutofit/>
+                    </a:bodyPr>
                     <a:lstStyle/>
                     <a:p>
                       <a:r>
@@ -9280,7 +9750,9 @@
                 </a:tc>
                 <a:tc>
                   <a:txBody>
-                    <a:bodyPr/>
+                    <a:bodyPr wrap="square">
+                      <a:normAutofit/>
+                    </a:bodyPr>
                     <a:lstStyle/>
                     <a:p>
                       <a:r>
@@ -9294,7 +9766,9 @@
               <a:tr h="415500">
                 <a:tc>
                   <a:txBody>
-                    <a:bodyPr/>
+                    <a:bodyPr wrap="square">
+                      <a:normAutofit/>
+                    </a:bodyPr>
                     <a:lstStyle/>
                     <a:p>
                       <a:r>
@@ -9306,7 +9780,9 @@
                 </a:tc>
                 <a:tc>
                   <a:txBody>
-                    <a:bodyPr/>
+                    <a:bodyPr wrap="square">
+                      <a:normAutofit/>
+                    </a:bodyPr>
                     <a:lstStyle/>
                     <a:p>
                       <a:r>
@@ -9318,7 +9794,9 @@
                 </a:tc>
                 <a:tc>
                   <a:txBody>
-                    <a:bodyPr/>
+                    <a:bodyPr wrap="square">
+                      <a:normAutofit/>
+                    </a:bodyPr>
                     <a:lstStyle/>
                     <a:p>
                       <a:r>
@@ -9330,7 +9808,9 @@
                 </a:tc>
                 <a:tc>
                   <a:txBody>
-                    <a:bodyPr/>
+                    <a:bodyPr wrap="square">
+                      <a:normAutofit/>
+                    </a:bodyPr>
                     <a:lstStyle/>
                     <a:p>
                       <a:r>
